--- a/Tree Data Structure.pptx
+++ b/Tree Data Structure.pptx
@@ -12,6 +12,8 @@
     <p:sldId id="260" r:id="rId6"/>
     <p:sldId id="261" r:id="rId7"/>
     <p:sldId id="262" r:id="rId8"/>
+    <p:sldId id="263" r:id="rId9"/>
+    <p:sldId id="264" r:id="rId10"/>
   </p:sldIdLst>
   <p:sldSz cx="12192000" cy="6858000"/>
   <p:notesSz cx="6858000" cy="9144000"/>
@@ -110,6 +112,11 @@
       </a:defRPr>
     </a:lvl9pPr>
   </p:defaultTextStyle>
+  <p:extLst>
+    <p:ext uri="{EFAFB233-063F-42B5-8137-9DF3F51BA10A}">
+      <p15:sldGuideLst xmlns:p15="http://schemas.microsoft.com/office/powerpoint/2012/main"/>
+    </p:ext>
+  </p:extLst>
 </p:presentation>
 </file>
 
@@ -244,7 +251,7 @@
           <a:p>
             <a:fld id="{B5354C7F-74D0-4A74-8DD5-ECE55ADB48C5}" type="datetimeFigureOut">
               <a:rPr lang="en-IN" smtClean="0"/>
-              <a:t>01-11-2021</a:t>
+              <a:t>08-11-2021</a:t>
             </a:fld>
             <a:endParaRPr lang="en-IN"/>
           </a:p>
@@ -414,7 +421,7 @@
           <a:p>
             <a:fld id="{B5354C7F-74D0-4A74-8DD5-ECE55ADB48C5}" type="datetimeFigureOut">
               <a:rPr lang="en-IN" smtClean="0"/>
-              <a:t>01-11-2021</a:t>
+              <a:t>08-11-2021</a:t>
             </a:fld>
             <a:endParaRPr lang="en-IN"/>
           </a:p>
@@ -594,7 +601,7 @@
           <a:p>
             <a:fld id="{B5354C7F-74D0-4A74-8DD5-ECE55ADB48C5}" type="datetimeFigureOut">
               <a:rPr lang="en-IN" smtClean="0"/>
-              <a:t>01-11-2021</a:t>
+              <a:t>08-11-2021</a:t>
             </a:fld>
             <a:endParaRPr lang="en-IN"/>
           </a:p>
@@ -764,7 +771,7 @@
           <a:p>
             <a:fld id="{B5354C7F-74D0-4A74-8DD5-ECE55ADB48C5}" type="datetimeFigureOut">
               <a:rPr lang="en-IN" smtClean="0"/>
-              <a:t>01-11-2021</a:t>
+              <a:t>08-11-2021</a:t>
             </a:fld>
             <a:endParaRPr lang="en-IN"/>
           </a:p>
@@ -1010,7 +1017,7 @@
           <a:p>
             <a:fld id="{B5354C7F-74D0-4A74-8DD5-ECE55ADB48C5}" type="datetimeFigureOut">
               <a:rPr lang="en-IN" smtClean="0"/>
-              <a:t>01-11-2021</a:t>
+              <a:t>08-11-2021</a:t>
             </a:fld>
             <a:endParaRPr lang="en-IN"/>
           </a:p>
@@ -1242,7 +1249,7 @@
           <a:p>
             <a:fld id="{B5354C7F-74D0-4A74-8DD5-ECE55ADB48C5}" type="datetimeFigureOut">
               <a:rPr lang="en-IN" smtClean="0"/>
-              <a:t>01-11-2021</a:t>
+              <a:t>08-11-2021</a:t>
             </a:fld>
             <a:endParaRPr lang="en-IN"/>
           </a:p>
@@ -1609,7 +1616,7 @@
           <a:p>
             <a:fld id="{B5354C7F-74D0-4A74-8DD5-ECE55ADB48C5}" type="datetimeFigureOut">
               <a:rPr lang="en-IN" smtClean="0"/>
-              <a:t>01-11-2021</a:t>
+              <a:t>08-11-2021</a:t>
             </a:fld>
             <a:endParaRPr lang="en-IN"/>
           </a:p>
@@ -1727,7 +1734,7 @@
           <a:p>
             <a:fld id="{B5354C7F-74D0-4A74-8DD5-ECE55ADB48C5}" type="datetimeFigureOut">
               <a:rPr lang="en-IN" smtClean="0"/>
-              <a:t>01-11-2021</a:t>
+              <a:t>08-11-2021</a:t>
             </a:fld>
             <a:endParaRPr lang="en-IN"/>
           </a:p>
@@ -1822,7 +1829,7 @@
           <a:p>
             <a:fld id="{B5354C7F-74D0-4A74-8DD5-ECE55ADB48C5}" type="datetimeFigureOut">
               <a:rPr lang="en-IN" smtClean="0"/>
-              <a:t>01-11-2021</a:t>
+              <a:t>08-11-2021</a:t>
             </a:fld>
             <a:endParaRPr lang="en-IN"/>
           </a:p>
@@ -2099,7 +2106,7 @@
           <a:p>
             <a:fld id="{B5354C7F-74D0-4A74-8DD5-ECE55ADB48C5}" type="datetimeFigureOut">
               <a:rPr lang="en-IN" smtClean="0"/>
-              <a:t>01-11-2021</a:t>
+              <a:t>08-11-2021</a:t>
             </a:fld>
             <a:endParaRPr lang="en-IN"/>
           </a:p>
@@ -2352,7 +2359,7 @@
           <a:p>
             <a:fld id="{B5354C7F-74D0-4A74-8DD5-ECE55ADB48C5}" type="datetimeFigureOut">
               <a:rPr lang="en-IN" smtClean="0"/>
-              <a:t>01-11-2021</a:t>
+              <a:t>08-11-2021</a:t>
             </a:fld>
             <a:endParaRPr lang="en-IN"/>
           </a:p>
@@ -2565,7 +2572,7 @@
           <a:p>
             <a:fld id="{B5354C7F-74D0-4A74-8DD5-ECE55ADB48C5}" type="datetimeFigureOut">
               <a:rPr lang="en-IN" smtClean="0"/>
-              <a:t>01-11-2021</a:t>
+              <a:t>08-11-2021</a:t>
             </a:fld>
             <a:endParaRPr lang="en-IN"/>
           </a:p>
@@ -4120,6 +4127,225 @@
 </p:sld>
 </file>
 
+<file path=ppt/slides/slide8.xml><?xml version="1.0" encoding="utf-8"?>
+<p:sld xmlns:a="http://schemas.openxmlformats.org/drawingml/2006/main" xmlns:r="http://schemas.openxmlformats.org/officeDocument/2006/relationships" xmlns:p="http://schemas.openxmlformats.org/presentationml/2006/main">
+  <p:cSld>
+    <p:spTree>
+      <p:nvGrpSpPr>
+        <p:cNvPr id="1" name=""/>
+        <p:cNvGrpSpPr/>
+        <p:nvPr/>
+      </p:nvGrpSpPr>
+      <p:grpSpPr>
+        <a:xfrm>
+          <a:off x="0" y="0"/>
+          <a:ext cx="0" cy="0"/>
+          <a:chOff x="0" y="0"/>
+          <a:chExt cx="0" cy="0"/>
+        </a:xfrm>
+      </p:grpSpPr>
+      <p:sp>
+        <p:nvSpPr>
+          <p:cNvPr id="2" name="Title 1"/>
+          <p:cNvSpPr>
+            <a:spLocks noGrp="1"/>
+          </p:cNvSpPr>
+          <p:nvPr>
+            <p:ph type="title"/>
+          </p:nvPr>
+        </p:nvSpPr>
+        <p:spPr/>
+        <p:txBody>
+          <a:bodyPr/>
+          <a:lstStyle/>
+          <a:p>
+            <a:r>
+              <a:rPr lang="en-IN" dirty="0" smtClean="0"/>
+              <a:t>Binary Search Tree</a:t>
+            </a:r>
+            <a:endParaRPr lang="en-IN" dirty="0"/>
+          </a:p>
+        </p:txBody>
+      </p:sp>
+      <p:sp>
+        <p:nvSpPr>
+          <p:cNvPr id="3" name="Content Placeholder 2"/>
+          <p:cNvSpPr>
+            <a:spLocks noGrp="1"/>
+          </p:cNvSpPr>
+          <p:nvPr>
+            <p:ph idx="1"/>
+          </p:nvPr>
+        </p:nvSpPr>
+        <p:spPr>
+          <a:xfrm>
+            <a:off x="838200" y="3152633"/>
+            <a:ext cx="10515600" cy="3024330"/>
+          </a:xfrm>
+        </p:spPr>
+        <p:txBody>
+          <a:bodyPr>
+            <a:normAutofit/>
+          </a:bodyPr>
+          <a:lstStyle/>
+          <a:p>
+            <a:pPr marL="0" indent="0" fontAlgn="base">
+              <a:buNone/>
+            </a:pPr>
+            <a:r>
+              <a:rPr lang="en-US" sz="2000" b="1" dirty="0"/>
+              <a:t>Binary Search Tree</a:t>
+            </a:r>
+            <a:r>
+              <a:rPr lang="en-US" sz="2000" dirty="0"/>
+              <a:t> is a node-based binary tree data structure which has the following properties:</a:t>
+            </a:r>
+          </a:p>
+          <a:p>
+            <a:pPr lvl="1" fontAlgn="base"/>
+            <a:r>
+              <a:rPr lang="en-US" sz="2000" dirty="0"/>
+              <a:t>The left </a:t>
+            </a:r>
+            <a:r>
+              <a:rPr lang="en-US" sz="2000" dirty="0" err="1"/>
+              <a:t>subtree</a:t>
+            </a:r>
+            <a:r>
+              <a:rPr lang="en-US" sz="2000" dirty="0"/>
+              <a:t> of a node contains only nodes with keys lesser than the node’s key.</a:t>
+            </a:r>
+          </a:p>
+          <a:p>
+            <a:pPr lvl="1" fontAlgn="base"/>
+            <a:r>
+              <a:rPr lang="en-US" sz="2000" dirty="0"/>
+              <a:t>The right </a:t>
+            </a:r>
+            <a:r>
+              <a:rPr lang="en-US" sz="2000" dirty="0" err="1"/>
+              <a:t>subtree</a:t>
+            </a:r>
+            <a:r>
+              <a:rPr lang="en-US" sz="2000" dirty="0"/>
+              <a:t> of a node contains only nodes with keys greater than the node’s key.</a:t>
+            </a:r>
+          </a:p>
+          <a:p>
+            <a:pPr lvl="1" fontAlgn="base"/>
+            <a:r>
+              <a:rPr lang="en-US" sz="2000" dirty="0"/>
+              <a:t>The left and right </a:t>
+            </a:r>
+            <a:r>
+              <a:rPr lang="en-US" sz="2000" dirty="0" err="1"/>
+              <a:t>subtree</a:t>
+            </a:r>
+            <a:r>
+              <a:rPr lang="en-US" sz="2000" dirty="0"/>
+              <a:t> each must also be a binary search tree.</a:t>
+            </a:r>
+          </a:p>
+        </p:txBody>
+      </p:sp>
+    </p:spTree>
+    <p:extLst>
+      <p:ext uri="{BB962C8B-B14F-4D97-AF65-F5344CB8AC3E}">
+        <p14:creationId xmlns:p14="http://schemas.microsoft.com/office/powerpoint/2010/main" val="2804699485"/>
+      </p:ext>
+    </p:extLst>
+  </p:cSld>
+  <p:clrMapOvr>
+    <a:masterClrMapping/>
+  </p:clrMapOvr>
+  <p:timing>
+    <p:tnLst>
+      <p:par>
+        <p:cTn id="1" dur="indefinite" restart="never" nodeType="tmRoot"/>
+      </p:par>
+    </p:tnLst>
+  </p:timing>
+</p:sld>
+</file>
+
+<file path=ppt/slides/slide9.xml><?xml version="1.0" encoding="utf-8"?>
+<p:sld xmlns:a="http://schemas.openxmlformats.org/drawingml/2006/main" xmlns:r="http://schemas.openxmlformats.org/officeDocument/2006/relationships" xmlns:p="http://schemas.openxmlformats.org/presentationml/2006/main">
+  <p:cSld>
+    <p:spTree>
+      <p:nvGrpSpPr>
+        <p:cNvPr id="1" name=""/>
+        <p:cNvGrpSpPr/>
+        <p:nvPr/>
+      </p:nvGrpSpPr>
+      <p:grpSpPr>
+        <a:xfrm>
+          <a:off x="0" y="0"/>
+          <a:ext cx="0" cy="0"/>
+          <a:chOff x="0" y="0"/>
+          <a:chExt cx="0" cy="0"/>
+        </a:xfrm>
+      </p:grpSpPr>
+      <p:pic>
+        <p:nvPicPr>
+          <p:cNvPr id="1026" name="Picture 2" descr="200px-Binary_search_tree.svg"/>
+          <p:cNvPicPr>
+            <a:picLocks noChangeAspect="1" noChangeArrowheads="1"/>
+          </p:cNvPicPr>
+          <p:nvPr/>
+        </p:nvPicPr>
+        <p:blipFill>
+          <a:blip r:embed="rId2">
+            <a:extLst>
+              <a:ext uri="{28A0092B-C50C-407E-A947-70E740481C1C}">
+                <a14:useLocalDpi xmlns:a14="http://schemas.microsoft.com/office/drawing/2010/main" val="0"/>
+              </a:ext>
+            </a:extLst>
+          </a:blip>
+          <a:srcRect/>
+          <a:stretch>
+            <a:fillRect/>
+          </a:stretch>
+        </p:blipFill>
+        <p:spPr bwMode="auto">
+          <a:xfrm>
+            <a:off x="3553866" y="955344"/>
+            <a:ext cx="5126109" cy="4858602"/>
+          </a:xfrm>
+          <a:prstGeom prst="rect">
+            <a:avLst/>
+          </a:prstGeom>
+          <a:noFill/>
+          <a:extLst>
+            <a:ext uri="{909E8E84-426E-40DD-AFC4-6F175D3DCCD1}">
+              <a14:hiddenFill xmlns:a14="http://schemas.microsoft.com/office/drawing/2010/main">
+                <a:solidFill>
+                  <a:srgbClr val="FFFFFF"/>
+                </a:solidFill>
+              </a14:hiddenFill>
+            </a:ext>
+          </a:extLst>
+        </p:spPr>
+      </p:pic>
+    </p:spTree>
+    <p:extLst>
+      <p:ext uri="{BB962C8B-B14F-4D97-AF65-F5344CB8AC3E}">
+        <p14:creationId xmlns:p14="http://schemas.microsoft.com/office/powerpoint/2010/main" val="52910036"/>
+      </p:ext>
+    </p:extLst>
+  </p:cSld>
+  <p:clrMapOvr>
+    <a:masterClrMapping/>
+  </p:clrMapOvr>
+  <p:timing>
+    <p:tnLst>
+      <p:par>
+        <p:cTn id="1" dur="indefinite" restart="never" nodeType="tmRoot"/>
+      </p:par>
+    </p:tnLst>
+  </p:timing>
+</p:sld>
+</file>
+
 <file path=ppt/theme/theme1.xml><?xml version="1.0" encoding="utf-8"?>
 <a:theme xmlns:a="http://schemas.openxmlformats.org/drawingml/2006/main" name="Office Theme">
   <a:themeElements>
